--- a/lab3/lecture/lab3.pptx
+++ b/lab3/lecture/lab3.pptx
@@ -346,7 +346,7 @@
           <a:p>
             <a:fld id="{CC6787DF-63A8-4FFC-8155-79ED132149FF}" type="datetimeFigureOut">
               <a:rPr lang="en-US" smtClean="0"/>
-              <a:t>6/23/2018</a:t>
+              <a:t>6/24/2018</a:t>
             </a:fld>
             <a:endParaRPr lang="en-US"/>
           </a:p>
@@ -554,7 +554,7 @@
           <a:p>
             <a:fld id="{CC6787DF-63A8-4FFC-8155-79ED132149FF}" type="datetimeFigureOut">
               <a:rPr lang="en-US" smtClean="0"/>
-              <a:t>6/23/2018</a:t>
+              <a:t>6/24/2018</a:t>
             </a:fld>
             <a:endParaRPr lang="en-US"/>
           </a:p>
@@ -812,7 +812,7 @@
           <a:p>
             <a:fld id="{CC6787DF-63A8-4FFC-8155-79ED132149FF}" type="datetimeFigureOut">
               <a:rPr lang="en-US" smtClean="0"/>
-              <a:t>6/23/2018</a:t>
+              <a:t>6/24/2018</a:t>
             </a:fld>
             <a:endParaRPr lang="en-US"/>
           </a:p>
@@ -982,7 +982,7 @@
           <a:p>
             <a:fld id="{CC6787DF-63A8-4FFC-8155-79ED132149FF}" type="datetimeFigureOut">
               <a:rPr lang="en-US" smtClean="0"/>
-              <a:t>6/23/2018</a:t>
+              <a:t>6/24/2018</a:t>
             </a:fld>
             <a:endParaRPr lang="en-US"/>
           </a:p>
@@ -1319,7 +1319,7 @@
           <a:p>
             <a:fld id="{CC6787DF-63A8-4FFC-8155-79ED132149FF}" type="datetimeFigureOut">
               <a:rPr lang="en-US" smtClean="0"/>
-              <a:t>6/23/2018</a:t>
+              <a:t>6/24/2018</a:t>
             </a:fld>
             <a:endParaRPr lang="en-US"/>
           </a:p>
@@ -1594,7 +1594,7 @@
           <a:p>
             <a:fld id="{CC6787DF-63A8-4FFC-8155-79ED132149FF}" type="datetimeFigureOut">
               <a:rPr lang="en-US" smtClean="0"/>
-              <a:t>6/23/2018</a:t>
+              <a:t>6/24/2018</a:t>
             </a:fld>
             <a:endParaRPr lang="en-US"/>
           </a:p>
@@ -1973,7 +1973,7 @@
           <a:p>
             <a:fld id="{CC6787DF-63A8-4FFC-8155-79ED132149FF}" type="datetimeFigureOut">
               <a:rPr lang="en-US" smtClean="0"/>
-              <a:t>6/23/2018</a:t>
+              <a:t>6/24/2018</a:t>
             </a:fld>
             <a:endParaRPr lang="en-US"/>
           </a:p>
@@ -2091,7 +2091,7 @@
           <a:p>
             <a:fld id="{CC6787DF-63A8-4FFC-8155-79ED132149FF}" type="datetimeFigureOut">
               <a:rPr lang="en-US" smtClean="0"/>
-              <a:t>6/23/2018</a:t>
+              <a:t>6/24/2018</a:t>
             </a:fld>
             <a:endParaRPr lang="en-US"/>
           </a:p>
@@ -2264,7 +2264,7 @@
           <a:p>
             <a:fld id="{CC6787DF-63A8-4FFC-8155-79ED132149FF}" type="datetimeFigureOut">
               <a:rPr lang="en-US" smtClean="0"/>
-              <a:t>6/23/2018</a:t>
+              <a:t>6/24/2018</a:t>
             </a:fld>
             <a:endParaRPr lang="en-US"/>
           </a:p>
@@ -2620,7 +2620,7 @@
           <a:p>
             <a:fld id="{CC6787DF-63A8-4FFC-8155-79ED132149FF}" type="datetimeFigureOut">
               <a:rPr lang="en-US" smtClean="0"/>
-              <a:t>6/23/2018</a:t>
+              <a:t>6/24/2018</a:t>
             </a:fld>
             <a:endParaRPr lang="en-US"/>
           </a:p>
@@ -2999,7 +2999,7 @@
           <a:p>
             <a:fld id="{CC6787DF-63A8-4FFC-8155-79ED132149FF}" type="datetimeFigureOut">
               <a:rPr lang="en-US" smtClean="0"/>
-              <a:t>6/23/2018</a:t>
+              <a:t>6/24/2018</a:t>
             </a:fld>
             <a:endParaRPr lang="en-US"/>
           </a:p>
@@ -3288,7 +3288,7 @@
           <a:p>
             <a:fld id="{CC6787DF-63A8-4FFC-8155-79ED132149FF}" type="datetimeFigureOut">
               <a:rPr lang="en-US" smtClean="0"/>
-              <a:t>6/23/2018</a:t>
+              <a:t>6/24/2018</a:t>
             </a:fld>
             <a:endParaRPr lang="en-US"/>
           </a:p>
@@ -3923,8 +3923,8 @@
           </a:p>
         </p:txBody>
       </p:sp>
-      <mc:AlternateContent xmlns:mc="http://schemas.openxmlformats.org/markup-compatibility/2006">
-        <mc:Choice xmlns:a14="http://schemas.microsoft.com/office/drawing/2010/main" Requires="a14">
+      <mc:AlternateContent xmlns:mc="http://schemas.openxmlformats.org/markup-compatibility/2006" xmlns:a14="http://schemas.microsoft.com/office/drawing/2010/main">
+        <mc:Choice Requires="a14">
           <p:sp>
             <p:nvSpPr>
               <p:cNvPr id="3" name="Content Placeholder 2">
@@ -4025,7 +4025,7 @@
             </p:txBody>
           </p:sp>
         </mc:Choice>
-        <mc:Fallback>
+        <mc:Fallback xmlns="">
           <p:sp>
             <p:nvSpPr>
               <p:cNvPr id="3" name="Content Placeholder 2">
@@ -4297,8 +4297,8 @@
           </a:p>
         </p:txBody>
       </p:sp>
-      <mc:AlternateContent xmlns:mc="http://schemas.openxmlformats.org/markup-compatibility/2006">
-        <mc:Choice xmlns:a14="http://schemas.microsoft.com/office/drawing/2010/main" Requires="a14">
+      <mc:AlternateContent xmlns:mc="http://schemas.openxmlformats.org/markup-compatibility/2006" xmlns:a14="http://schemas.microsoft.com/office/drawing/2010/main">
+        <mc:Choice Requires="a14">
           <p:sp>
             <p:nvSpPr>
               <p:cNvPr id="3" name="Content Placeholder 2">
@@ -4449,7 +4449,7 @@
             </p:txBody>
           </p:sp>
         </mc:Choice>
-        <mc:Fallback>
+        <mc:Fallback xmlns="">
           <p:sp>
             <p:nvSpPr>
               <p:cNvPr id="3" name="Content Placeholder 2">
@@ -5062,7 +5062,7 @@
             <p:spPr/>
             <p:txBody>
               <a:bodyPr>
-                <a:normAutofit fontScale="70000" lnSpcReduction="20000"/>
+                <a:normAutofit fontScale="85000" lnSpcReduction="20000"/>
               </a:bodyPr>
               <a:lstStyle/>
               <a:p>
@@ -5116,7 +5116,7 @@
                 <a:pPr lvl="1"/>
                 <a:r>
                   <a:rPr lang="en-US" dirty="0"/>
-                  <a:t>Subtract each power of 10 from hex number</a:t>
+                  <a:t>Divide each power of 10 from hex number</a:t>
                 </a:r>
               </a:p>
               <a:p>
@@ -5130,7 +5130,7 @@
                 <a:pPr lvl="3"/>
                 <a:r>
                   <a:rPr lang="en-US" dirty="0"/>
-                  <a:t>x0024 – x0064 = x0000 R x0024; count = 0</a:t>
+                  <a:t>x0024 / x0064 = x0000 R x0024</a:t>
                 </a:r>
               </a:p>
               <a:p>
@@ -5144,28 +5144,7 @@
                 <a:pPr lvl="3"/>
                 <a:r>
                   <a:rPr lang="en-US" dirty="0"/>
-                  <a:t>x0024 – x000A = x001A R x0000; count = 0</a:t>
-                </a:r>
-              </a:p>
-              <a:p>
-                <a:pPr lvl="3"/>
-                <a:r>
-                  <a:rPr lang="en-US" dirty="0"/>
-                  <a:t>x001A – x000A = x0010 R x0000; count = 1</a:t>
-                </a:r>
-              </a:p>
-              <a:p>
-                <a:pPr lvl="3"/>
-                <a:r>
-                  <a:rPr lang="en-US" dirty="0"/>
-                  <a:t>x0010 – x000A = x0006 R x0000; count = 2</a:t>
-                </a:r>
-              </a:p>
-              <a:p>
-                <a:pPr lvl="3"/>
-                <a:r>
-                  <a:rPr lang="en-US" dirty="0"/>
-                  <a:t>x0006 – x000A = x0000 R x0006; count = 3</a:t>
+                  <a:t>x0024 / x000A = x0003 R x0006</a:t>
                 </a:r>
               </a:p>
               <a:p>
@@ -5179,7 +5158,7 @@
                 <a:pPr lvl="3"/>
                 <a:r>
                   <a:rPr lang="en-US" dirty="0"/>
-                  <a:t>x0006 – x0001 = …; count = 6</a:t>
+                  <a:t>x0006 / x0001 = x0006 R x0000</a:t>
                 </a:r>
               </a:p>
               <a:p>
@@ -5233,7 +5212,7 @@
               <a:blipFill>
                 <a:blip r:embed="rId2"/>
                 <a:stretch>
-                  <a:fillRect l="-182" t="-1667" b="-606"/>
+                  <a:fillRect l="-364" t="-2273"/>
                 </a:stretch>
               </a:blipFill>
             </p:spPr>
@@ -5427,30 +5406,21 @@
                             </p:childTnLst>
                           </p:cTn>
                         </p:par>
-                      </p:childTnLst>
-                    </p:cTn>
-                  </p:par>
-                  <p:par>
-                    <p:cTn id="15" fill="hold">
-                      <p:stCondLst>
-                        <p:cond delay="indefinite"/>
-                      </p:stCondLst>
-                      <p:childTnLst>
                         <p:par>
-                          <p:cTn id="16" fill="hold">
+                          <p:cTn id="15" fill="hold">
                             <p:stCondLst>
                               <p:cond delay="0"/>
                             </p:stCondLst>
                             <p:childTnLst>
                               <p:par>
-                                <p:cTn id="17" presetID="1" presetClass="entr" presetSubtype="0" fill="hold" nodeType="clickEffect">
+                                <p:cTn id="16" presetID="1" presetClass="entr" presetSubtype="0" fill="hold" nodeType="afterEffect">
                                   <p:stCondLst>
                                     <p:cond delay="0"/>
                                   </p:stCondLst>
                                   <p:childTnLst>
                                     <p:set>
                                       <p:cBhvr>
-                                        <p:cTn id="18" dur="1" fill="hold">
+                                        <p:cTn id="17" dur="1" fill="hold">
                                           <p:stCondLst>
                                             <p:cond delay="0"/>
                                           </p:stCondLst>
@@ -5473,8 +5443,17 @@
                                   </p:childTnLst>
                                 </p:cTn>
                               </p:par>
+                            </p:childTnLst>
+                          </p:cTn>
+                        </p:par>
+                        <p:par>
+                          <p:cTn id="18" fill="hold">
+                            <p:stCondLst>
+                              <p:cond delay="0"/>
+                            </p:stCondLst>
+                            <p:childTnLst>
                               <p:par>
-                                <p:cTn id="19" presetID="1" presetClass="entr" presetSubtype="0" fill="hold" nodeType="withEffect">
+                                <p:cTn id="19" presetID="1" presetClass="entr" presetSubtype="0" fill="hold" nodeType="afterEffect">
                                   <p:stCondLst>
                                     <p:cond delay="0"/>
                                   </p:stCondLst>
@@ -5553,15 +5532,24 @@
                                   </p:childTnLst>
                                 </p:cTn>
                               </p:par>
+                            </p:childTnLst>
+                          </p:cTn>
+                        </p:par>
+                        <p:par>
+                          <p:cTn id="25" fill="hold">
+                            <p:stCondLst>
+                              <p:cond delay="0"/>
+                            </p:stCondLst>
+                            <p:childTnLst>
                               <p:par>
-                                <p:cTn id="25" presetID="1" presetClass="entr" presetSubtype="0" fill="hold" nodeType="withEffect">
+                                <p:cTn id="26" presetID="1" presetClass="entr" presetSubtype="0" fill="hold" nodeType="afterEffect">
                                   <p:stCondLst>
                                     <p:cond delay="0"/>
                                   </p:stCondLst>
                                   <p:childTnLst>
                                     <p:set>
                                       <p:cBhvr>
-                                        <p:cTn id="26" dur="1" fill="hold">
+                                        <p:cTn id="27" dur="1" fill="hold">
                                           <p:stCondLst>
                                             <p:cond delay="0"/>
                                           </p:stCondLst>
@@ -5584,15 +5572,33 @@
                                   </p:childTnLst>
                                 </p:cTn>
                               </p:par>
+                            </p:childTnLst>
+                          </p:cTn>
+                        </p:par>
+                      </p:childTnLst>
+                    </p:cTn>
+                  </p:par>
+                  <p:par>
+                    <p:cTn id="28" fill="hold">
+                      <p:stCondLst>
+                        <p:cond delay="indefinite"/>
+                      </p:stCondLst>
+                      <p:childTnLst>
+                        <p:par>
+                          <p:cTn id="29" fill="hold">
+                            <p:stCondLst>
+                              <p:cond delay="0"/>
+                            </p:stCondLst>
+                            <p:childTnLst>
                               <p:par>
-                                <p:cTn id="27" presetID="1" presetClass="entr" presetSubtype="0" fill="hold" nodeType="withEffect">
+                                <p:cTn id="30" presetID="1" presetClass="entr" presetSubtype="0" fill="hold" nodeType="clickEffect">
                                   <p:stCondLst>
                                     <p:cond delay="0"/>
                                   </p:stCondLst>
                                   <p:childTnLst>
                                     <p:set>
                                       <p:cBhvr>
-                                        <p:cTn id="28" dur="1" fill="hold">
+                                        <p:cTn id="31" dur="1" fill="hold">
                                           <p:stCondLst>
                                             <p:cond delay="0"/>
                                           </p:stCondLst>
@@ -5616,14 +5622,14 @@
                                 </p:cTn>
                               </p:par>
                               <p:par>
-                                <p:cTn id="29" presetID="1" presetClass="entr" presetSubtype="0" fill="hold" nodeType="withEffect">
+                                <p:cTn id="32" presetID="1" presetClass="entr" presetSubtype="0" fill="hold" nodeType="withEffect">
                                   <p:stCondLst>
                                     <p:cond delay="0"/>
                                   </p:stCondLst>
                                   <p:childTnLst>
                                     <p:set>
                                       <p:cBhvr>
-                                        <p:cTn id="30" dur="1" fill="hold">
+                                        <p:cTn id="33" dur="1" fill="hold">
                                           <p:stCondLst>
                                             <p:cond delay="0"/>
                                           </p:stCondLst>
@@ -5646,15 +5652,33 @@
                                   </p:childTnLst>
                                 </p:cTn>
                               </p:par>
+                            </p:childTnLst>
+                          </p:cTn>
+                        </p:par>
+                      </p:childTnLst>
+                    </p:cTn>
+                  </p:par>
+                  <p:par>
+                    <p:cTn id="34" fill="hold">
+                      <p:stCondLst>
+                        <p:cond delay="indefinite"/>
+                      </p:stCondLst>
+                      <p:childTnLst>
+                        <p:par>
+                          <p:cTn id="35" fill="hold">
+                            <p:stCondLst>
+                              <p:cond delay="0"/>
+                            </p:stCondLst>
+                            <p:childTnLst>
                               <p:par>
-                                <p:cTn id="31" presetID="1" presetClass="entr" presetSubtype="0" fill="hold" nodeType="withEffect">
+                                <p:cTn id="36" presetID="1" presetClass="entr" presetSubtype="0" fill="hold" nodeType="clickEffect">
                                   <p:stCondLst>
                                     <p:cond delay="0"/>
                                   </p:stCondLst>
                                   <p:childTnLst>
                                     <p:set>
                                       <p:cBhvr>
-                                        <p:cTn id="32" dur="1" fill="hold">
+                                        <p:cTn id="37" dur="1" fill="hold">
                                           <p:stCondLst>
                                             <p:cond delay="0"/>
                                           </p:stCondLst>
@@ -5684,26 +5708,26 @@
                     </p:cTn>
                   </p:par>
                   <p:par>
-                    <p:cTn id="33" fill="hold">
+                    <p:cTn id="38" fill="hold">
                       <p:stCondLst>
                         <p:cond delay="indefinite"/>
                       </p:stCondLst>
                       <p:childTnLst>
                         <p:par>
-                          <p:cTn id="34" fill="hold">
+                          <p:cTn id="39" fill="hold">
                             <p:stCondLst>
                               <p:cond delay="0"/>
                             </p:stCondLst>
                             <p:childTnLst>
                               <p:par>
-                                <p:cTn id="35" presetID="1" presetClass="entr" presetSubtype="0" fill="hold" nodeType="clickEffect">
+                                <p:cTn id="40" presetID="1" presetClass="entr" presetSubtype="0" fill="hold" nodeType="clickEffect">
                                   <p:stCondLst>
                                     <p:cond delay="0"/>
                                   </p:stCondLst>
                                   <p:childTnLst>
                                     <p:set>
                                       <p:cBhvr>
-                                        <p:cTn id="36" dur="1" fill="hold">
+                                        <p:cTn id="41" dur="1" fill="hold">
                                           <p:stCondLst>
                                             <p:cond delay="0"/>
                                           </p:stCondLst>
@@ -5726,15 +5750,33 @@
                                   </p:childTnLst>
                                 </p:cTn>
                               </p:par>
+                            </p:childTnLst>
+                          </p:cTn>
+                        </p:par>
+                      </p:childTnLst>
+                    </p:cTn>
+                  </p:par>
+                  <p:par>
+                    <p:cTn id="42" fill="hold">
+                      <p:stCondLst>
+                        <p:cond delay="indefinite"/>
+                      </p:stCondLst>
+                      <p:childTnLst>
+                        <p:par>
+                          <p:cTn id="43" fill="hold">
+                            <p:stCondLst>
+                              <p:cond delay="0"/>
+                            </p:stCondLst>
+                            <p:childTnLst>
                               <p:par>
-                                <p:cTn id="37" presetID="1" presetClass="entr" presetSubtype="0" fill="hold" nodeType="withEffect">
+                                <p:cTn id="44" presetID="1" presetClass="entr" presetSubtype="0" fill="hold" nodeType="clickEffect">
                                   <p:stCondLst>
                                     <p:cond delay="0"/>
                                   </p:stCondLst>
                                   <p:childTnLst>
                                     <p:set>
                                       <p:cBhvr>
-                                        <p:cTn id="38" dur="1" fill="hold">
+                                        <p:cTn id="45" dur="1" fill="hold">
                                           <p:stCondLst>
                                             <p:cond delay="0"/>
                                           </p:stCondLst>
@@ -5757,33 +5799,15 @@
                                   </p:childTnLst>
                                 </p:cTn>
                               </p:par>
-                            </p:childTnLst>
-                          </p:cTn>
-                        </p:par>
-                      </p:childTnLst>
-                    </p:cTn>
-                  </p:par>
-                  <p:par>
-                    <p:cTn id="39" fill="hold">
-                      <p:stCondLst>
-                        <p:cond delay="indefinite"/>
-                      </p:stCondLst>
-                      <p:childTnLst>
-                        <p:par>
-                          <p:cTn id="40" fill="hold">
-                            <p:stCondLst>
-                              <p:cond delay="0"/>
-                            </p:stCondLst>
-                            <p:childTnLst>
                               <p:par>
-                                <p:cTn id="41" presetID="1" presetClass="entr" presetSubtype="0" fill="hold" nodeType="clickEffect">
+                                <p:cTn id="46" presetID="1" presetClass="entr" presetSubtype="0" fill="hold" nodeType="withEffect">
                                   <p:stCondLst>
                                     <p:cond delay="0"/>
                                   </p:stCondLst>
                                   <p:childTnLst>
                                     <p:set>
                                       <p:cBhvr>
-                                        <p:cTn id="42" dur="1" fill="hold">
+                                        <p:cTn id="47" dur="1" fill="hold">
                                           <p:stCondLst>
                                             <p:cond delay="0"/>
                                           </p:stCondLst>
@@ -5792,135 +5816,6 @@
                                           <p:spTgt spid="3">
                                             <p:txEl>
                                               <p:pRg st="15" end="15"/>
-                                            </p:txEl>
-                                          </p:spTgt>
-                                        </p:tgtEl>
-                                        <p:attrNameLst>
-                                          <p:attrName>style.visibility</p:attrName>
-                                        </p:attrNameLst>
-                                      </p:cBhvr>
-                                      <p:to>
-                                        <p:strVal val="visible"/>
-                                      </p:to>
-                                    </p:set>
-                                  </p:childTnLst>
-                                </p:cTn>
-                              </p:par>
-                            </p:childTnLst>
-                          </p:cTn>
-                        </p:par>
-                      </p:childTnLst>
-                    </p:cTn>
-                  </p:par>
-                  <p:par>
-                    <p:cTn id="43" fill="hold">
-                      <p:stCondLst>
-                        <p:cond delay="indefinite"/>
-                      </p:stCondLst>
-                      <p:childTnLst>
-                        <p:par>
-                          <p:cTn id="44" fill="hold">
-                            <p:stCondLst>
-                              <p:cond delay="0"/>
-                            </p:stCondLst>
-                            <p:childTnLst>
-                              <p:par>
-                                <p:cTn id="45" presetID="1" presetClass="entr" presetSubtype="0" fill="hold" nodeType="clickEffect">
-                                  <p:stCondLst>
-                                    <p:cond delay="0"/>
-                                  </p:stCondLst>
-                                  <p:childTnLst>
-                                    <p:set>
-                                      <p:cBhvr>
-                                        <p:cTn id="46" dur="1" fill="hold">
-                                          <p:stCondLst>
-                                            <p:cond delay="0"/>
-                                          </p:stCondLst>
-                                        </p:cTn>
-                                        <p:tgtEl>
-                                          <p:spTgt spid="3">
-                                            <p:txEl>
-                                              <p:pRg st="16" end="16"/>
-                                            </p:txEl>
-                                          </p:spTgt>
-                                        </p:tgtEl>
-                                        <p:attrNameLst>
-                                          <p:attrName>style.visibility</p:attrName>
-                                        </p:attrNameLst>
-                                      </p:cBhvr>
-                                      <p:to>
-                                        <p:strVal val="visible"/>
-                                      </p:to>
-                                    </p:set>
-                                  </p:childTnLst>
-                                </p:cTn>
-                              </p:par>
-                            </p:childTnLst>
-                          </p:cTn>
-                        </p:par>
-                      </p:childTnLst>
-                    </p:cTn>
-                  </p:par>
-                  <p:par>
-                    <p:cTn id="47" fill="hold">
-                      <p:stCondLst>
-                        <p:cond delay="indefinite"/>
-                      </p:stCondLst>
-                      <p:childTnLst>
-                        <p:par>
-                          <p:cTn id="48" fill="hold">
-                            <p:stCondLst>
-                              <p:cond delay="0"/>
-                            </p:stCondLst>
-                            <p:childTnLst>
-                              <p:par>
-                                <p:cTn id="49" presetID="1" presetClass="entr" presetSubtype="0" fill="hold" nodeType="clickEffect">
-                                  <p:stCondLst>
-                                    <p:cond delay="0"/>
-                                  </p:stCondLst>
-                                  <p:childTnLst>
-                                    <p:set>
-                                      <p:cBhvr>
-                                        <p:cTn id="50" dur="1" fill="hold">
-                                          <p:stCondLst>
-                                            <p:cond delay="0"/>
-                                          </p:stCondLst>
-                                        </p:cTn>
-                                        <p:tgtEl>
-                                          <p:spTgt spid="3">
-                                            <p:txEl>
-                                              <p:pRg st="17" end="17"/>
-                                            </p:txEl>
-                                          </p:spTgt>
-                                        </p:tgtEl>
-                                        <p:attrNameLst>
-                                          <p:attrName>style.visibility</p:attrName>
-                                        </p:attrNameLst>
-                                      </p:cBhvr>
-                                      <p:to>
-                                        <p:strVal val="visible"/>
-                                      </p:to>
-                                    </p:set>
-                                  </p:childTnLst>
-                                </p:cTn>
-                              </p:par>
-                              <p:par>
-                                <p:cTn id="51" presetID="1" presetClass="entr" presetSubtype="0" fill="hold" nodeType="withEffect">
-                                  <p:stCondLst>
-                                    <p:cond delay="0"/>
-                                  </p:stCondLst>
-                                  <p:childTnLst>
-                                    <p:set>
-                                      <p:cBhvr>
-                                        <p:cTn id="52" dur="1" fill="hold">
-                                          <p:stCondLst>
-                                            <p:cond delay="0"/>
-                                          </p:stCondLst>
-                                        </p:cTn>
-                                        <p:tgtEl>
-                                          <p:spTgt spid="3">
-                                            <p:txEl>
-                                              <p:pRg st="18" end="18"/>
                                             </p:txEl>
                                           </p:spTgt>
                                         </p:tgtEl>
@@ -7289,8 +7184,8 @@
           </a:fontRef>
         </p:style>
       </p:cxnSp>
-      <mc:AlternateContent xmlns:mc="http://schemas.openxmlformats.org/markup-compatibility/2006">
-        <mc:Choice xmlns:a14="http://schemas.microsoft.com/office/drawing/2010/main" Requires="a14">
+      <mc:AlternateContent xmlns:mc="http://schemas.openxmlformats.org/markup-compatibility/2006" xmlns:a14="http://schemas.microsoft.com/office/drawing/2010/main">
+        <mc:Choice Requires="a14">
           <p:sp>
             <p:nvSpPr>
               <p:cNvPr id="13" name="Content Placeholder 12">
@@ -8047,7 +7942,7 @@
             </p:txBody>
           </p:sp>
         </mc:Choice>
-        <mc:Fallback>
+        <mc:Fallback xmlns="">
           <p:sp>
             <p:nvSpPr>
               <p:cNvPr id="13" name="Content Placeholder 12">
@@ -8261,8 +8156,8 @@
           </a:p>
         </p:txBody>
       </p:sp>
-      <mc:AlternateContent xmlns:mc="http://schemas.openxmlformats.org/markup-compatibility/2006">
-        <mc:Choice xmlns:a14="http://schemas.microsoft.com/office/drawing/2010/main" Requires="a14">
+      <mc:AlternateContent xmlns:mc="http://schemas.openxmlformats.org/markup-compatibility/2006" xmlns:a14="http://schemas.microsoft.com/office/drawing/2010/main">
+        <mc:Choice Requires="a14">
           <p:sp>
             <p:nvSpPr>
               <p:cNvPr id="3" name="Content Placeholder 2">
@@ -8651,13 +8546,7 @@
                   <a:rPr lang="en-US" dirty="0" err="1">
                     <a:hlinkClick r:id="rId2"/>
                   </a:rPr>
-                  <a:t>s</a:t>
-                </a:r>
-                <a:r>
-                  <a:rPr lang="en-US" dirty="0" err="1">
-                    <a:hlinkClick r:id="rId2"/>
-                  </a:rPr>
-                  <a:t>canf</a:t>
+                  <a:t>scanf</a:t>
                 </a:r>
                 <a:r>
                   <a:rPr lang="en-US" dirty="0"/>
@@ -8688,13 +8577,7 @@
                   <a:rPr lang="en-US" dirty="0" err="1">
                     <a:hlinkClick r:id="rId3"/>
                   </a:rPr>
-                  <a:t>p</a:t>
-                </a:r>
-                <a:r>
-                  <a:rPr lang="en-US" dirty="0" err="1">
-                    <a:hlinkClick r:id="rId3"/>
-                  </a:rPr>
-                  <a:t>rintf</a:t>
+                  <a:t>printf</a:t>
                 </a:r>
                 <a:r>
                   <a:rPr lang="en-US" dirty="0"/>
@@ -8725,13 +8608,7 @@
                   <a:rPr lang="en-US" dirty="0">
                     <a:hlinkClick r:id="rId4"/>
                   </a:rPr>
-                  <a:t>s</a:t>
-                </a:r>
-                <a:r>
-                  <a:rPr lang="en-US" dirty="0">
-                    <a:hlinkClick r:id="rId4"/>
-                  </a:rPr>
-                  <a:t>in</a:t>
+                  <a:t>sin</a:t>
                 </a:r>
                 <a:r>
                   <a:rPr lang="en-US" dirty="0"/>
@@ -8752,7 +8629,7 @@
             </p:txBody>
           </p:sp>
         </mc:Choice>
-        <mc:Fallback>
+        <mc:Fallback xmlns="">
           <p:sp>
             <p:nvSpPr>
               <p:cNvPr id="3" name="Content Placeholder 2">
